--- a/lectures/04-13-fri/slides-handout.pptx
+++ b/lectures/04-13-fri/slides-handout.pptx
@@ -8439,15 +8439,7 @@
             </a:r>
             <a:r>
               <a:rPr lang="en-US" dirty="0"/>
-              <a:t> (Eid("y</a:t>
-            </a:r>
-            <a:r>
-              <a:rPr lang="en-US"/>
-              <a:t>")) 3 </a:t>
-            </a:r>
-            <a:r>
-              <a:rPr lang="en-US" dirty="0"/>
-              <a:t>[("x", 1); ("y", 2)]</a:t>
+              <a:t> (Eid("y")) 3 [("x", 1); ("y", 2)]</a:t>
             </a:r>
             <a:br>
               <a:rPr lang="en-US" dirty="0"/>
